--- a/presentation.pptx
+++ b/presentation.pptx
@@ -218,7 +218,7 @@
           <a:p>
             <a:fld id="{A5D9B3D1-F295-744E-AB72-AC3205C9FF03}" type="datetimeFigureOut">
               <a:rPr lang="cs-CZ" smtClean="0"/>
-              <a:t>06.01.2024</a:t>
+              <a:t>07.01.2024</a:t>
             </a:fld>
             <a:endParaRPr lang="cs-CZ"/>
           </a:p>
@@ -1121,7 +1121,7 @@
           <a:p>
             <a:fld id="{71E83CEC-D02D-244C-8BEB-9BCE857561AD}" type="datetime1">
               <a:rPr lang="cs-CZ" smtClean="0"/>
-              <a:t>06.01.2024</a:t>
+              <a:t>07.01.2024</a:t>
             </a:fld>
             <a:endParaRPr lang="cs-CZ"/>
           </a:p>
@@ -1254,7 +1254,7 @@
           <a:p>
             <a:fld id="{6B2C4DE5-6DE0-FA4E-9CF1-6B28FB577CCB}" type="datetime1">
               <a:rPr lang="cs-CZ" smtClean="0"/>
-              <a:t>06.01.2024</a:t>
+              <a:t>07.01.2024</a:t>
             </a:fld>
             <a:endParaRPr lang="cs-CZ"/>
           </a:p>
@@ -1573,7 +1573,7 @@
           <a:p>
             <a:fld id="{6B2C4DE5-6DE0-FA4E-9CF1-6B28FB577CCB}" type="datetime1">
               <a:rPr lang="cs-CZ" smtClean="0"/>
-              <a:t>06.01.2024</a:t>
+              <a:t>07.01.2024</a:t>
             </a:fld>
             <a:endParaRPr lang="cs-CZ"/>
           </a:p>
@@ -2173,7 +2173,7 @@
           <a:p>
             <a:fld id="{A5A8B681-ED3D-9E4D-931C-5A7B7070F390}" type="datetime1">
               <a:rPr lang="cs-CZ" smtClean="0"/>
-              <a:t>06.01.2024</a:t>
+              <a:t>07.01.2024</a:t>
             </a:fld>
             <a:endParaRPr lang="cs-CZ"/>
           </a:p>
@@ -2427,7 +2427,7 @@
           <a:p>
             <a:fld id="{A5A8B681-ED3D-9E4D-931C-5A7B7070F390}" type="datetime1">
               <a:rPr lang="cs-CZ" smtClean="0"/>
-              <a:t>06.01.2024</a:t>
+              <a:t>07.01.2024</a:t>
             </a:fld>
             <a:endParaRPr lang="cs-CZ"/>
           </a:p>
@@ -2435,10 +2435,10 @@
       </p:sp>
       <p:pic>
         <p:nvPicPr>
-          <p:cNvPr id="6" name="Zástupný obsah 5">
+          <p:cNvPr id="13" name="Zástupný obsah 12">
             <a:extLst>
               <a:ext uri="{FF2B5EF4-FFF2-40B4-BE49-F238E27FC236}">
-                <a16:creationId xmlns:a16="http://schemas.microsoft.com/office/drawing/2014/main" id="{932F1E53-1678-CEB4-D81B-A4E42B581384}"/>
+                <a16:creationId xmlns:a16="http://schemas.microsoft.com/office/drawing/2014/main" id="{C1DEAE1C-EB28-3C9D-835C-7B37DCA10557}"/>
               </a:ext>
             </a:extLst>
           </p:cNvPr>
@@ -2463,8 +2463,8 @@
         </p:blipFill>
         <p:spPr>
           <a:xfrm>
-            <a:off x="362926" y="1309063"/>
-            <a:ext cx="8418148" cy="4716946"/>
+            <a:off x="220529" y="1306655"/>
+            <a:ext cx="8702942" cy="4876525"/>
           </a:xfrm>
         </p:spPr>
       </p:pic>
@@ -2578,7 +2578,7 @@
           <a:p>
             <a:fld id="{71E83CEC-D02D-244C-8BEB-9BCE857561AD}" type="datetime1">
               <a:rPr lang="cs-CZ" smtClean="0"/>
-              <a:t>06.01.2024</a:t>
+              <a:t>07.01.2024</a:t>
             </a:fld>
             <a:endParaRPr lang="cs-CZ"/>
           </a:p>
@@ -2726,7 +2726,7 @@
           <a:p>
             <a:fld id="{A5A8B681-ED3D-9E4D-931C-5A7B7070F390}" type="datetime1">
               <a:rPr lang="cs-CZ" smtClean="0"/>
-              <a:t>06.01.2024</a:t>
+              <a:t>07.01.2024</a:t>
             </a:fld>
             <a:endParaRPr lang="cs-CZ"/>
           </a:p>
@@ -2995,7 +2995,7 @@
           <a:p>
             <a:fld id="{71E83CEC-D02D-244C-8BEB-9BCE857561AD}" type="datetime1">
               <a:rPr lang="cs-CZ" smtClean="0"/>
-              <a:t>06.01.2024</a:t>
+              <a:t>07.01.2024</a:t>
             </a:fld>
             <a:endParaRPr lang="cs-CZ"/>
           </a:p>
@@ -3227,10 +3227,10 @@
       </p:sp>
       <p:pic>
         <p:nvPicPr>
-          <p:cNvPr id="9" name="Obrázek 8">
+          <p:cNvPr id="8" name="Obrázek 7">
             <a:extLst>
               <a:ext uri="{FF2B5EF4-FFF2-40B4-BE49-F238E27FC236}">
-                <a16:creationId xmlns:a16="http://schemas.microsoft.com/office/drawing/2014/main" id="{43D0DDD3-00EC-01EF-06B2-4293CAB13715}"/>
+                <a16:creationId xmlns:a16="http://schemas.microsoft.com/office/drawing/2014/main" id="{D076C768-049F-3678-C4E9-616C36A7A772}"/>
               </a:ext>
             </a:extLst>
           </p:cNvPr>
@@ -3253,7 +3253,7 @@
         </p:blipFill>
         <p:spPr>
           <a:xfrm>
-            <a:off x="685799" y="4279621"/>
+            <a:off x="685799" y="4275885"/>
             <a:ext cx="7772400" cy="2435493"/>
           </a:xfrm>
           <a:prstGeom prst="rect">
@@ -3371,7 +3371,7 @@
           <a:p>
             <a:fld id="{71E83CEC-D02D-244C-8BEB-9BCE857561AD}" type="datetime1">
               <a:rPr lang="cs-CZ" smtClean="0"/>
-              <a:t>06.01.2024</a:t>
+              <a:t>07.01.2024</a:t>
             </a:fld>
             <a:endParaRPr lang="cs-CZ"/>
           </a:p>
@@ -3419,17 +3419,17 @@
                 <a:latin typeface="Arial" panose="020B0604020202020204" pitchFamily="34" charset="0"/>
                 <a:cs typeface="Arial" panose="020B0604020202020204" pitchFamily="34" charset="0"/>
               </a:rPr>
-              <a:t> don’t response to message – internal library error</a:t>
+              <a:t> don’t response to message</a:t>
             </a:r>
           </a:p>
         </p:txBody>
       </p:sp>
       <p:pic>
         <p:nvPicPr>
-          <p:cNvPr id="7" name="Obrázek 6">
+          <p:cNvPr id="10" name="Obrázek 9">
             <a:extLst>
               <a:ext uri="{FF2B5EF4-FFF2-40B4-BE49-F238E27FC236}">
-                <a16:creationId xmlns:a16="http://schemas.microsoft.com/office/drawing/2014/main" id="{D9844E3E-784D-0D3B-2462-D99D33D65122}"/>
+                <a16:creationId xmlns:a16="http://schemas.microsoft.com/office/drawing/2014/main" id="{71C7DF3A-2121-29C7-4417-95B19B5A761A}"/>
               </a:ext>
             </a:extLst>
           </p:cNvPr>
@@ -3452,8 +3452,8 @@
         </p:blipFill>
         <p:spPr>
           <a:xfrm>
-            <a:off x="1562100" y="1304924"/>
-            <a:ext cx="6019800" cy="5588000"/>
+            <a:off x="1160587" y="1133485"/>
+            <a:ext cx="6822825" cy="6052506"/>
           </a:xfrm>
           <a:prstGeom prst="rect">
             <a:avLst/>
@@ -3509,7 +3509,7 @@
         <p:spPr>
           <a:xfrm>
             <a:off x="0" y="0"/>
-            <a:ext cx="10058400" cy="6237514"/>
+            <a:ext cx="9144000" cy="6858000"/>
           </a:xfrm>
         </p:spPr>
         <p:txBody>
@@ -3518,8 +3518,8 @@
           <a:p>
             <a:pPr algn="ctr"/>
             <a:r>
-              <a:rPr lang="cs-CZ" dirty="0"/>
-              <a:t>Děkuji za pozornost</a:t>
+              <a:rPr lang="en-US" dirty="0"/>
+              <a:t>Thank you for your attention</a:t>
             </a:r>
           </a:p>
         </p:txBody>
